--- a/DSP/Ditte-Powerpoints/dspExamQ6.pptx
+++ b/DSP/Ditte-Powerpoints/dspExamQ6.pptx
@@ -5,7 +5,7 @@
     <p:sldMasterId id="2147483648" r:id="rId1"/>
   </p:sldMasterIdLst>
   <p:notesMasterIdLst>
-    <p:notesMasterId r:id="rId17"/>
+    <p:notesMasterId r:id="rId16"/>
   </p:notesMasterIdLst>
   <p:sldIdLst>
     <p:sldId id="256" r:id="rId2"/>
@@ -21,8 +21,7 @@
     <p:sldId id="265" r:id="rId12"/>
     <p:sldId id="266" r:id="rId13"/>
     <p:sldId id="267" r:id="rId14"/>
-    <p:sldId id="268" r:id="rId15"/>
-    <p:sldId id="275" r:id="rId16"/>
+    <p:sldId id="275" r:id="rId15"/>
   </p:sldIdLst>
   <p:sldSz cx="12192000" cy="6858000"/>
   <p:notesSz cx="6858000" cy="9144000"/>
@@ -132,7 +131,7 @@
 <file path=ppt/revisionInfo.xml><?xml version="1.0" encoding="utf-8"?>
 <p1510:revInfo xmlns:a="http://schemas.openxmlformats.org/drawingml/2006/main" xmlns:r="http://schemas.openxmlformats.org/officeDocument/2006/relationships" xmlns:p1510="http://schemas.microsoft.com/office/powerpoint/2015/10/main">
   <p1510:revLst>
-    <p1510:client id="{E749CC6E-0C68-4890-950A-94652DC53A30}" v="9" dt="2024-12-29T12:59:01.953"/>
+    <p1510:client id="{273BD588-0611-4BE6-9E25-42B5F847AA8F}" v="3" dt="2025-01-15T15:27:11.545"/>
   </p1510:revLst>
 </p1510:revInfo>
 </file>
@@ -218,14 +217,6 @@
             <pc:docMk/>
             <pc:sldMk cId="4285635390" sldId="258"/>
             <ac:spMk id="2" creationId="{B22F2268-0ED7-D4E7-C419-A6A0B01E14D5}"/>
-          </ac:spMkLst>
-        </pc:spChg>
-        <pc:spChg chg="del">
-          <ac:chgData name="Ditte Filskov Theilgaard" userId="150196ba-3d64-4ece-aa51-395739ba31e6" providerId="ADAL" clId="{E749CC6E-0C68-4890-950A-94652DC53A30}" dt="2024-12-29T11:20:19.891" v="291" actId="478"/>
-          <ac:spMkLst>
-            <pc:docMk/>
-            <pc:sldMk cId="4285635390" sldId="258"/>
-            <ac:spMk id="3" creationId="{6A4F4B37-2E99-E2E2-2A9A-8C0379E586EE}"/>
           </ac:spMkLst>
         </pc:spChg>
         <pc:picChg chg="add mod">
@@ -324,14 +315,6 @@
           <pc:docMk/>
           <pc:sldMk cId="949319105" sldId="263"/>
         </pc:sldMkLst>
-        <pc:picChg chg="add mod">
-          <ac:chgData name="Ditte Filskov Theilgaard" userId="150196ba-3d64-4ece-aa51-395739ba31e6" providerId="ADAL" clId="{E749CC6E-0C68-4890-950A-94652DC53A30}" dt="2024-12-29T12:49:23.917" v="317" actId="1036"/>
-          <ac:picMkLst>
-            <pc:docMk/>
-            <pc:sldMk cId="949319105" sldId="263"/>
-            <ac:picMk id="3" creationId="{D4E5AA6E-5ED4-81E9-BC9E-CC1E77F81F90}"/>
-          </ac:picMkLst>
-        </pc:picChg>
       </pc:sldChg>
       <pc:sldChg chg="addSp new mod">
         <pc:chgData name="Ditte Filskov Theilgaard" userId="150196ba-3d64-4ece-aa51-395739ba31e6" providerId="ADAL" clId="{E749CC6E-0C68-4890-950A-94652DC53A30}" dt="2024-12-29T12:49:27.588" v="318" actId="22"/>
@@ -398,14 +381,6 @@
           <pc:docMk/>
           <pc:sldMk cId="4179117517" sldId="267"/>
         </pc:sldMkLst>
-        <pc:picChg chg="add">
-          <ac:chgData name="Ditte Filskov Theilgaard" userId="150196ba-3d64-4ece-aa51-395739ba31e6" providerId="ADAL" clId="{E749CC6E-0C68-4890-950A-94652DC53A30}" dt="2024-12-29T12:51:08.562" v="323" actId="22"/>
-          <ac:picMkLst>
-            <pc:docMk/>
-            <pc:sldMk cId="4179117517" sldId="267"/>
-            <ac:picMk id="3" creationId="{7B1829CF-77E1-D8D5-B3D7-F81C4B92F28F}"/>
-          </ac:picMkLst>
-        </pc:picChg>
       </pc:sldChg>
       <pc:sldChg chg="del">
         <pc:chgData name="Ditte Filskov Theilgaard" userId="150196ba-3d64-4ece-aa51-395739ba31e6" providerId="ADAL" clId="{E749CC6E-0C68-4890-950A-94652DC53A30}" dt="2024-12-28T08:48:38.338" v="7" actId="47"/>
@@ -420,22 +395,6 @@
           <pc:docMk/>
           <pc:sldMk cId="1649728706" sldId="268"/>
         </pc:sldMkLst>
-        <pc:picChg chg="add mod">
-          <ac:chgData name="Ditte Filskov Theilgaard" userId="150196ba-3d64-4ece-aa51-395739ba31e6" providerId="ADAL" clId="{E749CC6E-0C68-4890-950A-94652DC53A30}" dt="2024-12-29T12:57:53.216" v="332" actId="1076"/>
-          <ac:picMkLst>
-            <pc:docMk/>
-            <pc:sldMk cId="1649728706" sldId="268"/>
-            <ac:picMk id="4" creationId="{CA911962-E53B-A821-F31D-F4A92E3E4D4A}"/>
-          </ac:picMkLst>
-        </pc:picChg>
-        <pc:inkChg chg="add">
-          <ac:chgData name="Ditte Filskov Theilgaard" userId="150196ba-3d64-4ece-aa51-395739ba31e6" providerId="ADAL" clId="{E749CC6E-0C68-4890-950A-94652DC53A30}" dt="2024-12-29T12:51:16.161" v="324"/>
-          <ac:inkMkLst>
-            <pc:docMk/>
-            <pc:sldMk cId="1649728706" sldId="268"/>
-            <ac:inkMk id="2" creationId="{EBAA5F39-11E7-7285-E0BF-D3C63E24B540}"/>
-          </ac:inkMkLst>
-        </pc:inkChg>
       </pc:sldChg>
       <pc:sldChg chg="new del">
         <pc:chgData name="Ditte Filskov Theilgaard" userId="150196ba-3d64-4ece-aa51-395739ba31e6" providerId="ADAL" clId="{E749CC6E-0C68-4890-950A-94652DC53A30}" dt="2024-12-29T12:51:42.976" v="327" actId="47"/>
@@ -539,6 +498,121 @@
       </pc:sldChg>
     </pc:docChg>
   </pc:docChgLst>
+  <pc:docChgLst>
+    <pc:chgData name="Ditte Filskov Theilgaard" userId="150196ba-3d64-4ece-aa51-395739ba31e6" providerId="ADAL" clId="{273BD588-0611-4BE6-9E25-42B5F847AA8F}"/>
+    <pc:docChg chg="custSel delSld modSld">
+      <pc:chgData name="Ditte Filskov Theilgaard" userId="150196ba-3d64-4ece-aa51-395739ba31e6" providerId="ADAL" clId="{273BD588-0611-4BE6-9E25-42B5F847AA8F}" dt="2025-01-15T15:27:02.505" v="19" actId="1076"/>
+      <pc:docMkLst>
+        <pc:docMk/>
+      </pc:docMkLst>
+      <pc:sldChg chg="addSp modSp mod">
+        <pc:chgData name="Ditte Filskov Theilgaard" userId="150196ba-3d64-4ece-aa51-395739ba31e6" providerId="ADAL" clId="{273BD588-0611-4BE6-9E25-42B5F847AA8F}" dt="2025-01-15T15:27:02.505" v="19" actId="1076"/>
+        <pc:sldMkLst>
+          <pc:docMk/>
+          <pc:sldMk cId="4027991178" sldId="257"/>
+        </pc:sldMkLst>
+        <pc:picChg chg="add mod">
+          <ac:chgData name="Ditte Filskov Theilgaard" userId="150196ba-3d64-4ece-aa51-395739ba31e6" providerId="ADAL" clId="{273BD588-0611-4BE6-9E25-42B5F847AA8F}" dt="2025-01-15T15:27:02.505" v="19" actId="1076"/>
+          <ac:picMkLst>
+            <pc:docMk/>
+            <pc:sldMk cId="4027991178" sldId="257"/>
+            <ac:picMk id="5" creationId="{83BC5712-279A-FA56-E81B-63843132D0B9}"/>
+          </ac:picMkLst>
+        </pc:picChg>
+      </pc:sldChg>
+      <pc:sldChg chg="modSp mod">
+        <pc:chgData name="Ditte Filskov Theilgaard" userId="150196ba-3d64-4ece-aa51-395739ba31e6" providerId="ADAL" clId="{273BD588-0611-4BE6-9E25-42B5F847AA8F}" dt="2025-01-15T15:03:15.755" v="15" actId="1076"/>
+        <pc:sldMkLst>
+          <pc:docMk/>
+          <pc:sldMk cId="1790394813" sldId="262"/>
+        </pc:sldMkLst>
+        <pc:picChg chg="mod">
+          <ac:chgData name="Ditte Filskov Theilgaard" userId="150196ba-3d64-4ece-aa51-395739ba31e6" providerId="ADAL" clId="{273BD588-0611-4BE6-9E25-42B5F847AA8F}" dt="2025-01-15T15:03:15.755" v="15" actId="1076"/>
+          <ac:picMkLst>
+            <pc:docMk/>
+            <pc:sldMk cId="1790394813" sldId="262"/>
+            <ac:picMk id="3" creationId="{5FCAB0B4-659E-D095-27A9-5C2928DF44AF}"/>
+          </ac:picMkLst>
+        </pc:picChg>
+      </pc:sldChg>
+      <pc:sldChg chg="addSp delSp modSp mod">
+        <pc:chgData name="Ditte Filskov Theilgaard" userId="150196ba-3d64-4ece-aa51-395739ba31e6" providerId="ADAL" clId="{273BD588-0611-4BE6-9E25-42B5F847AA8F}" dt="2025-01-15T10:47:00.784" v="13" actId="22"/>
+        <pc:sldMkLst>
+          <pc:docMk/>
+          <pc:sldMk cId="949319105" sldId="263"/>
+        </pc:sldMkLst>
+        <pc:picChg chg="del mod modCrop">
+          <ac:chgData name="Ditte Filskov Theilgaard" userId="150196ba-3d64-4ece-aa51-395739ba31e6" providerId="ADAL" clId="{273BD588-0611-4BE6-9E25-42B5F847AA8F}" dt="2025-01-15T10:47:00.072" v="12" actId="478"/>
+          <ac:picMkLst>
+            <pc:docMk/>
+            <pc:sldMk cId="949319105" sldId="263"/>
+            <ac:picMk id="3" creationId="{D4E5AA6E-5ED4-81E9-BC9E-CC1E77F81F90}"/>
+          </ac:picMkLst>
+        </pc:picChg>
+        <pc:picChg chg="add">
+          <ac:chgData name="Ditte Filskov Theilgaard" userId="150196ba-3d64-4ece-aa51-395739ba31e6" providerId="ADAL" clId="{273BD588-0611-4BE6-9E25-42B5F847AA8F}" dt="2025-01-15T10:47:00.784" v="13" actId="22"/>
+          <ac:picMkLst>
+            <pc:docMk/>
+            <pc:sldMk cId="949319105" sldId="263"/>
+            <ac:picMk id="4" creationId="{A3113D12-B9E3-278F-BEBA-0BEFF2F863FC}"/>
+          </ac:picMkLst>
+        </pc:picChg>
+      </pc:sldChg>
+      <pc:sldChg chg="addSp modSp mod">
+        <pc:chgData name="Ditte Filskov Theilgaard" userId="150196ba-3d64-4ece-aa51-395739ba31e6" providerId="ADAL" clId="{273BD588-0611-4BE6-9E25-42B5F847AA8F}" dt="2025-01-15T10:44:33.833" v="8" actId="1076"/>
+        <pc:sldMkLst>
+          <pc:docMk/>
+          <pc:sldMk cId="1318453817" sldId="266"/>
+        </pc:sldMkLst>
+        <pc:picChg chg="add mod">
+          <ac:chgData name="Ditte Filskov Theilgaard" userId="150196ba-3d64-4ece-aa51-395739ba31e6" providerId="ADAL" clId="{273BD588-0611-4BE6-9E25-42B5F847AA8F}" dt="2025-01-15T10:44:33.833" v="8" actId="1076"/>
+          <ac:picMkLst>
+            <pc:docMk/>
+            <pc:sldMk cId="1318453817" sldId="266"/>
+            <ac:picMk id="2" creationId="{C40C21BE-CB27-C8AD-18FB-54493CFB5583}"/>
+          </ac:picMkLst>
+        </pc:picChg>
+        <pc:picChg chg="mod">
+          <ac:chgData name="Ditte Filskov Theilgaard" userId="150196ba-3d64-4ece-aa51-395739ba31e6" providerId="ADAL" clId="{273BD588-0611-4BE6-9E25-42B5F847AA8F}" dt="2025-01-15T10:44:25.333" v="6" actId="1076"/>
+          <ac:picMkLst>
+            <pc:docMk/>
+            <pc:sldMk cId="1318453817" sldId="266"/>
+            <ac:picMk id="3" creationId="{603AFB46-3317-43AB-3853-00A04CDE9F39}"/>
+          </ac:picMkLst>
+        </pc:picChg>
+      </pc:sldChg>
+      <pc:sldChg chg="addSp delSp mod">
+        <pc:chgData name="Ditte Filskov Theilgaard" userId="150196ba-3d64-4ece-aa51-395739ba31e6" providerId="ADAL" clId="{273BD588-0611-4BE6-9E25-42B5F847AA8F}" dt="2025-01-15T10:45:07.532" v="11" actId="22"/>
+        <pc:sldMkLst>
+          <pc:docMk/>
+          <pc:sldMk cId="4179117517" sldId="267"/>
+        </pc:sldMkLst>
+        <pc:picChg chg="del">
+          <ac:chgData name="Ditte Filskov Theilgaard" userId="150196ba-3d64-4ece-aa51-395739ba31e6" providerId="ADAL" clId="{273BD588-0611-4BE6-9E25-42B5F847AA8F}" dt="2025-01-15T10:44:37.162" v="9" actId="478"/>
+          <ac:picMkLst>
+            <pc:docMk/>
+            <pc:sldMk cId="4179117517" sldId="267"/>
+            <ac:picMk id="3" creationId="{7B1829CF-77E1-D8D5-B3D7-F81C4B92F28F}"/>
+          </ac:picMkLst>
+        </pc:picChg>
+        <pc:picChg chg="add">
+          <ac:chgData name="Ditte Filskov Theilgaard" userId="150196ba-3d64-4ece-aa51-395739ba31e6" providerId="ADAL" clId="{273BD588-0611-4BE6-9E25-42B5F847AA8F}" dt="2025-01-15T10:45:07.532" v="11" actId="22"/>
+          <ac:picMkLst>
+            <pc:docMk/>
+            <pc:sldMk cId="4179117517" sldId="267"/>
+            <ac:picMk id="4" creationId="{A2F81068-9244-F21F-FD60-4467DA9FE6E4}"/>
+          </ac:picMkLst>
+        </pc:picChg>
+      </pc:sldChg>
+      <pc:sldChg chg="del">
+        <pc:chgData name="Ditte Filskov Theilgaard" userId="150196ba-3d64-4ece-aa51-395739ba31e6" providerId="ADAL" clId="{273BD588-0611-4BE6-9E25-42B5F847AA8F}" dt="2025-01-15T10:44:44.370" v="10" actId="2696"/>
+        <pc:sldMkLst>
+          <pc:docMk/>
+          <pc:sldMk cId="1649728706" sldId="268"/>
+        </pc:sldMkLst>
+      </pc:sldChg>
+    </pc:docChg>
+  </pc:docChgLst>
 </pc:chgInfo>
 </file>
 
@@ -624,7 +698,7 @@
           <a:p>
             <a:fld id="{237DF243-990D-452E-B2F0-0A24C40DD102}" type="datetimeFigureOut">
               <a:rPr lang="en-US" smtClean="0"/>
-              <a:t>12/29/2024</a:t>
+              <a:t>1/15/2025</a:t>
             </a:fld>
             <a:endParaRPr lang="en-US"/>
           </a:p>
@@ -1036,9 +1110,9 @@
           <a:bodyPr/>
           <a:lstStyle/>
           <a:p>
-            <a:fld id="{9CB904D7-2B70-4964-9B23-4E5B349F082D}" type="datetimeFigureOut">
+            <a:fld id="{FB51B0D4-67A0-4D6C-9229-4C3B87B9B368}" type="datetime1">
               <a:rPr lang="en-US" smtClean="0"/>
-              <a:t>12/29/2024</a:t>
+              <a:t>1/15/2025</a:t>
             </a:fld>
             <a:endParaRPr lang="en-US"/>
           </a:p>
@@ -1241,9 +1315,9 @@
           <a:bodyPr/>
           <a:lstStyle/>
           <a:p>
-            <a:fld id="{9CB904D7-2B70-4964-9B23-4E5B349F082D}" type="datetimeFigureOut">
+            <a:fld id="{2A51F35E-F96D-4BCD-8046-EE1AB1406041}" type="datetime1">
               <a:rPr lang="en-US" smtClean="0"/>
-              <a:t>12/29/2024</a:t>
+              <a:t>1/15/2025</a:t>
             </a:fld>
             <a:endParaRPr lang="en-US"/>
           </a:p>
@@ -1516,9 +1590,9 @@
           <a:bodyPr/>
           <a:lstStyle/>
           <a:p>
-            <a:fld id="{9CB904D7-2B70-4964-9B23-4E5B349F082D}" type="datetimeFigureOut">
+            <a:fld id="{975D59B7-CD16-49B6-A53A-A656ED987804}" type="datetime1">
               <a:rPr lang="en-US" smtClean="0"/>
-              <a:t>12/29/2024</a:t>
+              <a:t>1/15/2025</a:t>
             </a:fld>
             <a:endParaRPr lang="en-US"/>
           </a:p>
@@ -1781,9 +1855,9 @@
           <a:bodyPr/>
           <a:lstStyle/>
           <a:p>
-            <a:fld id="{9CB904D7-2B70-4964-9B23-4E5B349F082D}" type="datetimeFigureOut">
+            <a:fld id="{B844C3BF-EAD3-4227-BF25-6F8874232839}" type="datetime1">
               <a:rPr lang="en-US" smtClean="0"/>
-              <a:t>12/29/2024</a:t>
+              <a:t>1/15/2025</a:t>
             </a:fld>
             <a:endParaRPr lang="en-US"/>
           </a:p>
@@ -2193,9 +2267,9 @@
           <a:bodyPr/>
           <a:lstStyle/>
           <a:p>
-            <a:fld id="{9CB904D7-2B70-4964-9B23-4E5B349F082D}" type="datetimeFigureOut">
+            <a:fld id="{C85A0965-8299-429E-AC03-9979921D19BC}" type="datetime1">
               <a:rPr lang="en-US" smtClean="0"/>
-              <a:t>12/29/2024</a:t>
+              <a:t>1/15/2025</a:t>
             </a:fld>
             <a:endParaRPr lang="en-US"/>
           </a:p>
@@ -2334,9 +2408,9 @@
           <a:bodyPr/>
           <a:lstStyle/>
           <a:p>
-            <a:fld id="{9CB904D7-2B70-4964-9B23-4E5B349F082D}" type="datetimeFigureOut">
+            <a:fld id="{A81B73FD-4F40-469B-974F-9D0183FE8F54}" type="datetime1">
               <a:rPr lang="en-US" smtClean="0"/>
-              <a:t>12/29/2024</a:t>
+              <a:t>1/15/2025</a:t>
             </a:fld>
             <a:endParaRPr lang="en-US"/>
           </a:p>
@@ -2447,9 +2521,9 @@
           <a:bodyPr/>
           <a:lstStyle/>
           <a:p>
-            <a:fld id="{9CB904D7-2B70-4964-9B23-4E5B349F082D}" type="datetimeFigureOut">
+            <a:fld id="{56B41A6E-E5B7-439E-9AB1-2FD8A27DF0AE}" type="datetime1">
               <a:rPr lang="en-US" smtClean="0"/>
-              <a:t>12/29/2024</a:t>
+              <a:t>1/15/2025</a:t>
             </a:fld>
             <a:endParaRPr lang="en-US"/>
           </a:p>
@@ -2688,9 +2762,9 @@
             </a:lvl1pPr>
           </a:lstStyle>
           <a:p>
-            <a:fld id="{9CB904D7-2B70-4964-9B23-4E5B349F082D}" type="datetimeFigureOut">
+            <a:fld id="{ADD235CE-F5D8-44D2-BE60-E3F1A86F8CCC}" type="datetime1">
               <a:rPr lang="en-US" smtClean="0"/>
-              <a:t>12/29/2024</a:t>
+              <a:t>1/15/2025</a:t>
             </a:fld>
             <a:endParaRPr lang="en-US"/>
           </a:p>
@@ -2803,6 +2877,7 @@
     <p:sldLayoutId id="2147483654" r:id="rId6"/>
     <p:sldLayoutId id="2147483655" r:id="rId7"/>
   </p:sldLayoutIdLst>
+  <p:hf hdr="0" ftr="0" dt="0"/>
   <p:txStyles>
     <p:titleStyle>
       <a:lvl1pPr algn="l" defTabSz="914400" rtl="0" eaLnBrk="1" latinLnBrk="0" hangingPunct="1">
@@ -3538,6 +3613,35 @@
           </a:p>
         </p:txBody>
       </p:sp>
+      <p:sp>
+        <p:nvSpPr>
+          <p:cNvPr id="4" name="Slide Number Placeholder 3">
+            <a:extLst>
+              <a:ext uri="{FF2B5EF4-FFF2-40B4-BE49-F238E27FC236}">
+                <a16:creationId xmlns:a16="http://schemas.microsoft.com/office/drawing/2014/main" id="{149AA43E-FFD3-F731-4983-07DDCA616103}"/>
+              </a:ext>
+            </a:extLst>
+          </p:cNvPr>
+          <p:cNvSpPr>
+            <a:spLocks noGrp="1"/>
+          </p:cNvSpPr>
+          <p:nvPr>
+            <p:ph type="sldNum" sz="quarter" idx="12"/>
+          </p:nvPr>
+        </p:nvSpPr>
+        <p:spPr/>
+        <p:txBody>
+          <a:bodyPr/>
+          <a:lstStyle/>
+          <a:p>
+            <a:fld id="{4B04BC67-DFA6-4863-89DB-B4077B3FACAF}" type="slidenum">
+              <a:rPr lang="en-US" smtClean="0"/>
+              <a:t>1</a:t>
+            </a:fld>
+            <a:endParaRPr lang="en-US"/>
+          </a:p>
+        </p:txBody>
+      </p:sp>
     </p:spTree>
     <p:extLst>
       <p:ext uri="{BB962C8B-B14F-4D97-AF65-F5344CB8AC3E}">
@@ -3598,6 +3702,35 @@
           </a:prstGeom>
         </p:spPr>
       </p:pic>
+      <p:sp>
+        <p:nvSpPr>
+          <p:cNvPr id="2" name="Slide Number Placeholder 1">
+            <a:extLst>
+              <a:ext uri="{FF2B5EF4-FFF2-40B4-BE49-F238E27FC236}">
+                <a16:creationId xmlns:a16="http://schemas.microsoft.com/office/drawing/2014/main" id="{380BC2DE-F929-3595-6F54-D720DBD064D3}"/>
+              </a:ext>
+            </a:extLst>
+          </p:cNvPr>
+          <p:cNvSpPr>
+            <a:spLocks noGrp="1"/>
+          </p:cNvSpPr>
+          <p:nvPr>
+            <p:ph type="sldNum" sz="quarter" idx="12"/>
+          </p:nvPr>
+        </p:nvSpPr>
+        <p:spPr/>
+        <p:txBody>
+          <a:bodyPr/>
+          <a:lstStyle/>
+          <a:p>
+            <a:fld id="{4B04BC67-DFA6-4863-89DB-B4077B3FACAF}" type="slidenum">
+              <a:rPr lang="en-US" smtClean="0"/>
+              <a:t>10</a:t>
+            </a:fld>
+            <a:endParaRPr lang="en-US"/>
+          </a:p>
+        </p:txBody>
+      </p:sp>
     </p:spTree>
     <p:extLst>
       <p:ext uri="{BB962C8B-B14F-4D97-AF65-F5344CB8AC3E}">
@@ -3658,6 +3791,35 @@
           </a:prstGeom>
         </p:spPr>
       </p:pic>
+      <p:sp>
+        <p:nvSpPr>
+          <p:cNvPr id="2" name="Slide Number Placeholder 1">
+            <a:extLst>
+              <a:ext uri="{FF2B5EF4-FFF2-40B4-BE49-F238E27FC236}">
+                <a16:creationId xmlns:a16="http://schemas.microsoft.com/office/drawing/2014/main" id="{BF36FBE2-717E-BC52-1377-F4EB779EE90C}"/>
+              </a:ext>
+            </a:extLst>
+          </p:cNvPr>
+          <p:cNvSpPr>
+            <a:spLocks noGrp="1"/>
+          </p:cNvSpPr>
+          <p:nvPr>
+            <p:ph type="sldNum" sz="quarter" idx="12"/>
+          </p:nvPr>
+        </p:nvSpPr>
+        <p:spPr/>
+        <p:txBody>
+          <a:bodyPr/>
+          <a:lstStyle/>
+          <a:p>
+            <a:fld id="{4B04BC67-DFA6-4863-89DB-B4077B3FACAF}" type="slidenum">
+              <a:rPr lang="en-US" smtClean="0"/>
+              <a:t>11</a:t>
+            </a:fld>
+            <a:endParaRPr lang="en-US"/>
+          </a:p>
+        </p:txBody>
+      </p:sp>
     </p:spTree>
     <p:extLst>
       <p:ext uri="{BB962C8B-B14F-4D97-AF65-F5344CB8AC3E}">
@@ -3710,7 +3872,7 @@
         </p:blipFill>
         <p:spPr>
           <a:xfrm>
-            <a:off x="3400286" y="726936"/>
+            <a:off x="139977" y="676487"/>
             <a:ext cx="5391427" cy="5404128"/>
           </a:xfrm>
           <a:prstGeom prst="rect">
@@ -3718,6 +3880,65 @@
           </a:prstGeom>
         </p:spPr>
       </p:pic>
+      <p:pic>
+        <p:nvPicPr>
+          <p:cNvPr id="2" name="Picture 1">
+            <a:extLst>
+              <a:ext uri="{FF2B5EF4-FFF2-40B4-BE49-F238E27FC236}">
+                <a16:creationId xmlns:a16="http://schemas.microsoft.com/office/drawing/2014/main" id="{C40C21BE-CB27-C8AD-18FB-54493CFB5583}"/>
+              </a:ext>
+            </a:extLst>
+          </p:cNvPr>
+          <p:cNvPicPr>
+            <a:picLocks noChangeAspect="1"/>
+          </p:cNvPicPr>
+          <p:nvPr/>
+        </p:nvPicPr>
+        <p:blipFill>
+          <a:blip r:embed="rId3"/>
+          <a:stretch>
+            <a:fillRect/>
+          </a:stretch>
+        </p:blipFill>
+        <p:spPr>
+          <a:xfrm>
+            <a:off x="6001177" y="676487"/>
+            <a:ext cx="5512083" cy="5188217"/>
+          </a:xfrm>
+          <a:prstGeom prst="rect">
+            <a:avLst/>
+          </a:prstGeom>
+        </p:spPr>
+      </p:pic>
+      <p:sp>
+        <p:nvSpPr>
+          <p:cNvPr id="4" name="Slide Number Placeholder 3">
+            <a:extLst>
+              <a:ext uri="{FF2B5EF4-FFF2-40B4-BE49-F238E27FC236}">
+                <a16:creationId xmlns:a16="http://schemas.microsoft.com/office/drawing/2014/main" id="{C992A606-F8EB-B101-F013-8D90629F6D78}"/>
+              </a:ext>
+            </a:extLst>
+          </p:cNvPr>
+          <p:cNvSpPr>
+            <a:spLocks noGrp="1"/>
+          </p:cNvSpPr>
+          <p:nvPr>
+            <p:ph type="sldNum" sz="quarter" idx="12"/>
+          </p:nvPr>
+        </p:nvSpPr>
+        <p:spPr/>
+        <p:txBody>
+          <a:bodyPr/>
+          <a:lstStyle/>
+          <a:p>
+            <a:fld id="{4B04BC67-DFA6-4863-89DB-B4077B3FACAF}" type="slidenum">
+              <a:rPr lang="en-US" smtClean="0"/>
+              <a:t>12</a:t>
+            </a:fld>
+            <a:endParaRPr lang="en-US"/>
+          </a:p>
+        </p:txBody>
+      </p:sp>
     </p:spTree>
     <p:extLst>
       <p:ext uri="{BB962C8B-B14F-4D97-AF65-F5344CB8AC3E}">
@@ -3750,10 +3971,10 @@
       </p:grpSpPr>
       <p:pic>
         <p:nvPicPr>
-          <p:cNvPr id="3" name="Picture 2">
-            <a:extLst>
-              <a:ext uri="{FF2B5EF4-FFF2-40B4-BE49-F238E27FC236}">
-                <a16:creationId xmlns:a16="http://schemas.microsoft.com/office/drawing/2014/main" id="{7B1829CF-77E1-D8D5-B3D7-F81C4B92F28F}"/>
+          <p:cNvPr id="4" name="Picture 3">
+            <a:extLst>
+              <a:ext uri="{FF2B5EF4-FFF2-40B4-BE49-F238E27FC236}">
+                <a16:creationId xmlns:a16="http://schemas.microsoft.com/office/drawing/2014/main" id="{A2F81068-9244-F21F-FD60-4467DA9FE6E4}"/>
               </a:ext>
             </a:extLst>
           </p:cNvPr>
@@ -3770,14 +3991,43 @@
         </p:blipFill>
         <p:spPr>
           <a:xfrm>
-            <a:off x="3339958" y="834891"/>
-            <a:ext cx="5512083" cy="5188217"/>
+            <a:off x="1415272" y="0"/>
+            <a:ext cx="9361455" cy="6858000"/>
           </a:xfrm>
           <a:prstGeom prst="rect">
             <a:avLst/>
           </a:prstGeom>
         </p:spPr>
       </p:pic>
+      <p:sp>
+        <p:nvSpPr>
+          <p:cNvPr id="2" name="Slide Number Placeholder 1">
+            <a:extLst>
+              <a:ext uri="{FF2B5EF4-FFF2-40B4-BE49-F238E27FC236}">
+                <a16:creationId xmlns:a16="http://schemas.microsoft.com/office/drawing/2014/main" id="{4872A720-2473-A770-4D2E-D5438CC4DDFB}"/>
+              </a:ext>
+            </a:extLst>
+          </p:cNvPr>
+          <p:cNvSpPr>
+            <a:spLocks noGrp="1"/>
+          </p:cNvSpPr>
+          <p:nvPr>
+            <p:ph type="sldNum" sz="quarter" idx="12"/>
+          </p:nvPr>
+        </p:nvSpPr>
+        <p:spPr/>
+        <p:txBody>
+          <a:bodyPr/>
+          <a:lstStyle/>
+          <a:p>
+            <a:fld id="{4B04BC67-DFA6-4863-89DB-B4077B3FACAF}" type="slidenum">
+              <a:rPr lang="en-US" smtClean="0"/>
+              <a:t>13</a:t>
+            </a:fld>
+            <a:endParaRPr lang="en-US"/>
+          </a:p>
+        </p:txBody>
+      </p:sp>
     </p:spTree>
     <p:extLst>
       <p:ext uri="{BB962C8B-B14F-4D97-AF65-F5344CB8AC3E}">
@@ -3810,66 +4060,6 @@
       </p:grpSpPr>
       <p:pic>
         <p:nvPicPr>
-          <p:cNvPr id="4" name="Picture 3">
-            <a:extLst>
-              <a:ext uri="{FF2B5EF4-FFF2-40B4-BE49-F238E27FC236}">
-                <a16:creationId xmlns:a16="http://schemas.microsoft.com/office/drawing/2014/main" id="{CA911962-E53B-A821-F31D-F4A92E3E4D4A}"/>
-              </a:ext>
-            </a:extLst>
-          </p:cNvPr>
-          <p:cNvPicPr>
-            <a:picLocks noChangeAspect="1"/>
-          </p:cNvPicPr>
-          <p:nvPr/>
-        </p:nvPicPr>
-        <p:blipFill>
-          <a:blip r:embed="rId2"/>
-          <a:stretch>
-            <a:fillRect/>
-          </a:stretch>
-        </p:blipFill>
-        <p:spPr>
-          <a:xfrm>
-            <a:off x="0" y="1408661"/>
-            <a:ext cx="12192000" cy="4040677"/>
-          </a:xfrm>
-          <a:prstGeom prst="rect">
-            <a:avLst/>
-          </a:prstGeom>
-        </p:spPr>
-      </p:pic>
-    </p:spTree>
-    <p:extLst>
-      <p:ext uri="{BB962C8B-B14F-4D97-AF65-F5344CB8AC3E}">
-        <p14:creationId xmlns:p14="http://schemas.microsoft.com/office/powerpoint/2010/main" val="1649728706"/>
-      </p:ext>
-    </p:extLst>
-  </p:cSld>
-  <p:clrMapOvr>
-    <a:masterClrMapping/>
-  </p:clrMapOvr>
-</p:sld>
-</file>
-
-<file path=ppt/slides/slide15.xml><?xml version="1.0" encoding="utf-8"?>
-<p:sld xmlns:a="http://schemas.openxmlformats.org/drawingml/2006/main" xmlns:r="http://schemas.openxmlformats.org/officeDocument/2006/relationships" xmlns:p="http://schemas.openxmlformats.org/presentationml/2006/main">
-  <p:cSld>
-    <p:spTree>
-      <p:nvGrpSpPr>
-        <p:cNvPr id="1" name=""/>
-        <p:cNvGrpSpPr/>
-        <p:nvPr/>
-      </p:nvGrpSpPr>
-      <p:grpSpPr>
-        <a:xfrm>
-          <a:off x="0" y="0"/>
-          <a:ext cx="0" cy="0"/>
-          <a:chOff x="0" y="0"/>
-          <a:chExt cx="0" cy="0"/>
-        </a:xfrm>
-      </p:grpSpPr>
-      <p:pic>
-        <p:nvPicPr>
           <p:cNvPr id="3" name="Picture 2" descr="A close-up of several math equations&#10;&#10;Description automatically generated">
             <a:extLst>
               <a:ext uri="{FF2B5EF4-FFF2-40B4-BE49-F238E27FC236}">
@@ -3904,6 +4094,35 @@
           </a:prstGeom>
         </p:spPr>
       </p:pic>
+      <p:sp>
+        <p:nvSpPr>
+          <p:cNvPr id="2" name="Slide Number Placeholder 1">
+            <a:extLst>
+              <a:ext uri="{FF2B5EF4-FFF2-40B4-BE49-F238E27FC236}">
+                <a16:creationId xmlns:a16="http://schemas.microsoft.com/office/drawing/2014/main" id="{F7F3C275-0461-818D-9046-1BB21E2AF0E9}"/>
+              </a:ext>
+            </a:extLst>
+          </p:cNvPr>
+          <p:cNvSpPr>
+            <a:spLocks noGrp="1"/>
+          </p:cNvSpPr>
+          <p:nvPr>
+            <p:ph type="sldNum" sz="quarter" idx="12"/>
+          </p:nvPr>
+        </p:nvSpPr>
+        <p:spPr/>
+        <p:txBody>
+          <a:bodyPr/>
+          <a:lstStyle/>
+          <a:p>
+            <a:fld id="{4B04BC67-DFA6-4863-89DB-B4077B3FACAF}" type="slidenum">
+              <a:rPr lang="en-US" smtClean="0"/>
+              <a:t>14</a:t>
+            </a:fld>
+            <a:endParaRPr lang="en-US"/>
+          </a:p>
+        </p:txBody>
+      </p:sp>
     </p:spTree>
     <p:extLst>
       <p:ext uri="{BB962C8B-B14F-4D97-AF65-F5344CB8AC3E}">
@@ -4069,6 +4288,71 @@
           </a:p>
         </p:txBody>
       </p:sp>
+      <p:pic>
+        <p:nvPicPr>
+          <p:cNvPr id="5" name="Picture 4" descr="A graph of a graph&#10;&#10;Description automatically generated with medium confidence">
+            <a:extLst>
+              <a:ext uri="{FF2B5EF4-FFF2-40B4-BE49-F238E27FC236}">
+                <a16:creationId xmlns:a16="http://schemas.microsoft.com/office/drawing/2014/main" id="{83BC5712-279A-FA56-E81B-63843132D0B9}"/>
+              </a:ext>
+            </a:extLst>
+          </p:cNvPr>
+          <p:cNvPicPr>
+            <a:picLocks noChangeAspect="1"/>
+          </p:cNvPicPr>
+          <p:nvPr/>
+        </p:nvPicPr>
+        <p:blipFill>
+          <a:blip r:embed="rId2">
+            <a:extLst>
+              <a:ext uri="{28A0092B-C50C-407E-A947-70E740481C1C}">
+                <a14:useLocalDpi xmlns:a14="http://schemas.microsoft.com/office/drawing/2010/main" val="0"/>
+              </a:ext>
+            </a:extLst>
+          </a:blip>
+          <a:stretch>
+            <a:fillRect/>
+          </a:stretch>
+        </p:blipFill>
+        <p:spPr>
+          <a:xfrm>
+            <a:off x="-14714" y="4503876"/>
+            <a:ext cx="12192000" cy="2354124"/>
+          </a:xfrm>
+          <a:prstGeom prst="rect">
+            <a:avLst/>
+          </a:prstGeom>
+        </p:spPr>
+      </p:pic>
+      <p:sp>
+        <p:nvSpPr>
+          <p:cNvPr id="6" name="Slide Number Placeholder 5">
+            <a:extLst>
+              <a:ext uri="{FF2B5EF4-FFF2-40B4-BE49-F238E27FC236}">
+                <a16:creationId xmlns:a16="http://schemas.microsoft.com/office/drawing/2014/main" id="{AAF05E2D-C29C-00C6-DD51-EF91B3115CFC}"/>
+              </a:ext>
+            </a:extLst>
+          </p:cNvPr>
+          <p:cNvSpPr>
+            <a:spLocks noGrp="1"/>
+          </p:cNvSpPr>
+          <p:nvPr>
+            <p:ph type="sldNum" sz="quarter" idx="12"/>
+          </p:nvPr>
+        </p:nvSpPr>
+        <p:spPr/>
+        <p:txBody>
+          <a:bodyPr/>
+          <a:lstStyle/>
+          <a:p>
+            <a:fld id="{4B04BC67-DFA6-4863-89DB-B4077B3FACAF}" type="slidenum">
+              <a:rPr lang="en-US" smtClean="0"/>
+              <a:t>2</a:t>
+            </a:fld>
+            <a:endParaRPr lang="en-US"/>
+          </a:p>
+        </p:txBody>
+      </p:sp>
     </p:spTree>
     <p:extLst>
       <p:ext uri="{BB962C8B-B14F-4D97-AF65-F5344CB8AC3E}">
@@ -4165,6 +4449,35 @@
           </a:prstGeom>
         </p:spPr>
       </p:pic>
+      <p:sp>
+        <p:nvSpPr>
+          <p:cNvPr id="3" name="Slide Number Placeholder 2">
+            <a:extLst>
+              <a:ext uri="{FF2B5EF4-FFF2-40B4-BE49-F238E27FC236}">
+                <a16:creationId xmlns:a16="http://schemas.microsoft.com/office/drawing/2014/main" id="{A4716596-485F-0B33-C36B-2E47F68ADFFA}"/>
+              </a:ext>
+            </a:extLst>
+          </p:cNvPr>
+          <p:cNvSpPr>
+            <a:spLocks noGrp="1"/>
+          </p:cNvSpPr>
+          <p:nvPr>
+            <p:ph type="sldNum" sz="quarter" idx="12"/>
+          </p:nvPr>
+        </p:nvSpPr>
+        <p:spPr/>
+        <p:txBody>
+          <a:bodyPr/>
+          <a:lstStyle/>
+          <a:p>
+            <a:fld id="{4B04BC67-DFA6-4863-89DB-B4077B3FACAF}" type="slidenum">
+              <a:rPr lang="en-US" smtClean="0"/>
+              <a:t>3</a:t>
+            </a:fld>
+            <a:endParaRPr lang="en-US"/>
+          </a:p>
+        </p:txBody>
+      </p:sp>
     </p:spTree>
     <p:extLst>
       <p:ext uri="{BB962C8B-B14F-4D97-AF65-F5344CB8AC3E}">
@@ -4225,6 +4538,35 @@
           </a:prstGeom>
         </p:spPr>
       </p:pic>
+      <p:sp>
+        <p:nvSpPr>
+          <p:cNvPr id="2" name="Slide Number Placeholder 1">
+            <a:extLst>
+              <a:ext uri="{FF2B5EF4-FFF2-40B4-BE49-F238E27FC236}">
+                <a16:creationId xmlns:a16="http://schemas.microsoft.com/office/drawing/2014/main" id="{7FB81265-FF70-CB36-B9B5-1E356424528D}"/>
+              </a:ext>
+            </a:extLst>
+          </p:cNvPr>
+          <p:cNvSpPr>
+            <a:spLocks noGrp="1"/>
+          </p:cNvSpPr>
+          <p:nvPr>
+            <p:ph type="sldNum" sz="quarter" idx="12"/>
+          </p:nvPr>
+        </p:nvSpPr>
+        <p:spPr/>
+        <p:txBody>
+          <a:bodyPr/>
+          <a:lstStyle/>
+          <a:p>
+            <a:fld id="{4B04BC67-DFA6-4863-89DB-B4077B3FACAF}" type="slidenum">
+              <a:rPr lang="en-US" smtClean="0"/>
+              <a:t>4</a:t>
+            </a:fld>
+            <a:endParaRPr lang="en-US"/>
+          </a:p>
+        </p:txBody>
+      </p:sp>
     </p:spTree>
     <p:extLst>
       <p:ext uri="{BB962C8B-B14F-4D97-AF65-F5344CB8AC3E}">
@@ -4285,6 +4627,35 @@
           </a:prstGeom>
         </p:spPr>
       </p:pic>
+      <p:sp>
+        <p:nvSpPr>
+          <p:cNvPr id="2" name="Slide Number Placeholder 1">
+            <a:extLst>
+              <a:ext uri="{FF2B5EF4-FFF2-40B4-BE49-F238E27FC236}">
+                <a16:creationId xmlns:a16="http://schemas.microsoft.com/office/drawing/2014/main" id="{A71045C0-1BCC-6D7D-3CE1-7B7A942C35AE}"/>
+              </a:ext>
+            </a:extLst>
+          </p:cNvPr>
+          <p:cNvSpPr>
+            <a:spLocks noGrp="1"/>
+          </p:cNvSpPr>
+          <p:nvPr>
+            <p:ph type="sldNum" sz="quarter" idx="12"/>
+          </p:nvPr>
+        </p:nvSpPr>
+        <p:spPr/>
+        <p:txBody>
+          <a:bodyPr/>
+          <a:lstStyle/>
+          <a:p>
+            <a:fld id="{4B04BC67-DFA6-4863-89DB-B4077B3FACAF}" type="slidenum">
+              <a:rPr lang="en-US" smtClean="0"/>
+              <a:t>5</a:t>
+            </a:fld>
+            <a:endParaRPr lang="en-US"/>
+          </a:p>
+        </p:txBody>
+      </p:sp>
     </p:spTree>
     <p:extLst>
       <p:ext uri="{BB962C8B-B14F-4D97-AF65-F5344CB8AC3E}">
@@ -4337,14 +4708,43 @@
         </p:blipFill>
         <p:spPr>
           <a:xfrm>
-            <a:off x="2141693" y="0"/>
-            <a:ext cx="7908614" cy="6858000"/>
+            <a:off x="2355210" y="370306"/>
+            <a:ext cx="7481579" cy="6487694"/>
           </a:xfrm>
           <a:prstGeom prst="rect">
             <a:avLst/>
           </a:prstGeom>
         </p:spPr>
       </p:pic>
+      <p:sp>
+        <p:nvSpPr>
+          <p:cNvPr id="2" name="Slide Number Placeholder 1">
+            <a:extLst>
+              <a:ext uri="{FF2B5EF4-FFF2-40B4-BE49-F238E27FC236}">
+                <a16:creationId xmlns:a16="http://schemas.microsoft.com/office/drawing/2014/main" id="{341E8EB6-0DAB-00B8-322B-8CB1D19509CE}"/>
+              </a:ext>
+            </a:extLst>
+          </p:cNvPr>
+          <p:cNvSpPr>
+            <a:spLocks noGrp="1"/>
+          </p:cNvSpPr>
+          <p:nvPr>
+            <p:ph type="sldNum" sz="quarter" idx="12"/>
+          </p:nvPr>
+        </p:nvSpPr>
+        <p:spPr/>
+        <p:txBody>
+          <a:bodyPr/>
+          <a:lstStyle/>
+          <a:p>
+            <a:fld id="{4B04BC67-DFA6-4863-89DB-B4077B3FACAF}" type="slidenum">
+              <a:rPr lang="en-US" smtClean="0"/>
+              <a:t>6</a:t>
+            </a:fld>
+            <a:endParaRPr lang="en-US"/>
+          </a:p>
+        </p:txBody>
+      </p:sp>
     </p:spTree>
     <p:extLst>
       <p:ext uri="{BB962C8B-B14F-4D97-AF65-F5344CB8AC3E}">
@@ -4405,6 +4805,35 @@
           </a:prstGeom>
         </p:spPr>
       </p:pic>
+      <p:sp>
+        <p:nvSpPr>
+          <p:cNvPr id="2" name="Slide Number Placeholder 1">
+            <a:extLst>
+              <a:ext uri="{FF2B5EF4-FFF2-40B4-BE49-F238E27FC236}">
+                <a16:creationId xmlns:a16="http://schemas.microsoft.com/office/drawing/2014/main" id="{704C2BB9-5041-D9D3-0B1E-425CA00141EE}"/>
+              </a:ext>
+            </a:extLst>
+          </p:cNvPr>
+          <p:cNvSpPr>
+            <a:spLocks noGrp="1"/>
+          </p:cNvSpPr>
+          <p:nvPr>
+            <p:ph type="sldNum" sz="quarter" idx="12"/>
+          </p:nvPr>
+        </p:nvSpPr>
+        <p:spPr/>
+        <p:txBody>
+          <a:bodyPr/>
+          <a:lstStyle/>
+          <a:p>
+            <a:fld id="{4B04BC67-DFA6-4863-89DB-B4077B3FACAF}" type="slidenum">
+              <a:rPr lang="en-US" smtClean="0"/>
+              <a:t>7</a:t>
+            </a:fld>
+            <a:endParaRPr lang="en-US"/>
+          </a:p>
+        </p:txBody>
+      </p:sp>
     </p:spTree>
     <p:extLst>
       <p:ext uri="{BB962C8B-B14F-4D97-AF65-F5344CB8AC3E}">
@@ -4465,6 +4894,35 @@
           </a:prstGeom>
         </p:spPr>
       </p:pic>
+      <p:sp>
+        <p:nvSpPr>
+          <p:cNvPr id="2" name="Slide Number Placeholder 1">
+            <a:extLst>
+              <a:ext uri="{FF2B5EF4-FFF2-40B4-BE49-F238E27FC236}">
+                <a16:creationId xmlns:a16="http://schemas.microsoft.com/office/drawing/2014/main" id="{01895294-E0AE-D20D-41E5-5C0F400808C1}"/>
+              </a:ext>
+            </a:extLst>
+          </p:cNvPr>
+          <p:cNvSpPr>
+            <a:spLocks noGrp="1"/>
+          </p:cNvSpPr>
+          <p:nvPr>
+            <p:ph type="sldNum" sz="quarter" idx="12"/>
+          </p:nvPr>
+        </p:nvSpPr>
+        <p:spPr/>
+        <p:txBody>
+          <a:bodyPr/>
+          <a:lstStyle/>
+          <a:p>
+            <a:fld id="{4B04BC67-DFA6-4863-89DB-B4077B3FACAF}" type="slidenum">
+              <a:rPr lang="en-US" smtClean="0"/>
+              <a:t>8</a:t>
+            </a:fld>
+            <a:endParaRPr lang="en-US"/>
+          </a:p>
+        </p:txBody>
+      </p:sp>
     </p:spTree>
     <p:extLst>
       <p:ext uri="{BB962C8B-B14F-4D97-AF65-F5344CB8AC3E}">
@@ -4497,10 +4955,10 @@
       </p:grpSpPr>
       <p:pic>
         <p:nvPicPr>
-          <p:cNvPr id="3" name="Picture 2">
-            <a:extLst>
-              <a:ext uri="{FF2B5EF4-FFF2-40B4-BE49-F238E27FC236}">
-                <a16:creationId xmlns:a16="http://schemas.microsoft.com/office/drawing/2014/main" id="{D4E5AA6E-5ED4-81E9-BC9E-CC1E77F81F90}"/>
+          <p:cNvPr id="4" name="Picture 3">
+            <a:extLst>
+              <a:ext uri="{FF2B5EF4-FFF2-40B4-BE49-F238E27FC236}">
+                <a16:creationId xmlns:a16="http://schemas.microsoft.com/office/drawing/2014/main" id="{A3113D12-B9E3-278F-BEBA-0BEFF2F863FC}"/>
               </a:ext>
             </a:extLst>
           </p:cNvPr>
@@ -4517,14 +4975,43 @@
         </p:blipFill>
         <p:spPr>
           <a:xfrm>
-            <a:off x="1618625" y="534538"/>
-            <a:ext cx="8954750" cy="5801535"/>
+            <a:off x="0" y="162619"/>
+            <a:ext cx="12192000" cy="6532762"/>
           </a:xfrm>
           <a:prstGeom prst="rect">
             <a:avLst/>
           </a:prstGeom>
         </p:spPr>
       </p:pic>
+      <p:sp>
+        <p:nvSpPr>
+          <p:cNvPr id="2" name="Slide Number Placeholder 1">
+            <a:extLst>
+              <a:ext uri="{FF2B5EF4-FFF2-40B4-BE49-F238E27FC236}">
+                <a16:creationId xmlns:a16="http://schemas.microsoft.com/office/drawing/2014/main" id="{43ADE038-478D-730D-CD33-D95A2CFB9C4B}"/>
+              </a:ext>
+            </a:extLst>
+          </p:cNvPr>
+          <p:cNvSpPr>
+            <a:spLocks noGrp="1"/>
+          </p:cNvSpPr>
+          <p:nvPr>
+            <p:ph type="sldNum" sz="quarter" idx="12"/>
+          </p:nvPr>
+        </p:nvSpPr>
+        <p:spPr/>
+        <p:txBody>
+          <a:bodyPr/>
+          <a:lstStyle/>
+          <a:p>
+            <a:fld id="{4B04BC67-DFA6-4863-89DB-B4077B3FACAF}" type="slidenum">
+              <a:rPr lang="en-US" smtClean="0"/>
+              <a:t>9</a:t>
+            </a:fld>
+            <a:endParaRPr lang="en-US"/>
+          </a:p>
+        </p:txBody>
+      </p:sp>
     </p:spTree>
     <p:extLst>
       <p:ext uri="{BB962C8B-B14F-4D97-AF65-F5344CB8AC3E}">
